--- a/Presentation.pptx
+++ b/Presentation.pptx
@@ -149,7 +149,7 @@
   <pc:docChgLst>
     <pc:chgData name="Derek Caramella" userId="286e2ff89c220aa4" providerId="LiveId" clId="{D1180F37-5CEC-4A59-9C57-9262FF1CEF35}"/>
     <pc:docChg chg="undo custSel addSld modSld">
-      <pc:chgData name="Derek Caramella" userId="286e2ff89c220aa4" providerId="LiveId" clId="{D1180F37-5CEC-4A59-9C57-9262FF1CEF35}" dt="2022-04-23T17:47:16.241" v="1860" actId="20577"/>
+      <pc:chgData name="Derek Caramella" userId="286e2ff89c220aa4" providerId="LiveId" clId="{D1180F37-5CEC-4A59-9C57-9262FF1CEF35}" dt="2022-04-23T18:04:50.059" v="1863" actId="20577"/>
       <pc:docMkLst>
         <pc:docMk/>
       </pc:docMkLst>
@@ -573,7 +573,7 @@
         </pc:picChg>
       </pc:sldChg>
       <pc:sldChg chg="addSp delSp modSp new mod setBg">
-        <pc:chgData name="Derek Caramella" userId="286e2ff89c220aa4" providerId="LiveId" clId="{D1180F37-5CEC-4A59-9C57-9262FF1CEF35}" dt="2022-04-23T17:46:08.628" v="1842" actId="113"/>
+        <pc:chgData name="Derek Caramella" userId="286e2ff89c220aa4" providerId="LiveId" clId="{D1180F37-5CEC-4A59-9C57-9262FF1CEF35}" dt="2022-04-23T18:04:50.059" v="1863" actId="20577"/>
         <pc:sldMkLst>
           <pc:docMk/>
           <pc:sldMk cId="2158556896" sldId="279"/>
@@ -587,7 +587,7 @@
           </ac:spMkLst>
         </pc:spChg>
         <pc:spChg chg="mod ord">
-          <ac:chgData name="Derek Caramella" userId="286e2ff89c220aa4" providerId="LiveId" clId="{D1180F37-5CEC-4A59-9C57-9262FF1CEF35}" dt="2022-04-23T17:46:08.628" v="1842" actId="113"/>
+          <ac:chgData name="Derek Caramella" userId="286e2ff89c220aa4" providerId="LiveId" clId="{D1180F37-5CEC-4A59-9C57-9262FF1CEF35}" dt="2022-04-23T18:04:50.059" v="1863" actId="20577"/>
           <ac:spMkLst>
             <pc:docMk/>
             <pc:sldMk cId="2158556896" sldId="279"/>
@@ -17497,8 +17497,21 @@
                   <a:schemeClr val="bg1"/>
                 </a:solidFill>
               </a:rPr>
-              <a:t>Total Expenditure per Pupil 95% confidence quantile</a:t>
-            </a:r>
+              <a:t>Total Expenditure per Pupil </a:t>
+            </a:r>
+            <a:r>
+              <a:rPr lang="en-US" sz="1800" dirty="0" err="1">
+                <a:solidFill>
+                  <a:schemeClr val="bg1"/>
+                </a:solidFill>
+              </a:rPr>
+              <a:t>IQR</a:t>
+            </a:r>
+            <a:endParaRPr lang="en-US" sz="1800" dirty="0">
+              <a:solidFill>
+                <a:schemeClr val="bg1"/>
+              </a:solidFill>
+            </a:endParaRPr>
           </a:p>
           <a:p>
             <a:r>
